--- a/sdk/shadow.pptx
+++ b/sdk/shadow.pptx
@@ -6943,7 +6943,15 @@
             <a:pPr algn="ctr"/>
             <a:r>
               <a:rPr lang="zh-CN" altLang="en-US"/>
-              <a:t>DynamicPluginManager</a:t>
+              <a:t>DynamicPlugin</a:t>
+            </a:r>
+            <a:endParaRPr lang="zh-CN" altLang="en-US"/>
+          </a:p>
+          <a:p>
+            <a:pPr algn="ctr"/>
+            <a:r>
+              <a:rPr lang="zh-CN" altLang="en-US"/>
+              <a:t>Manager</a:t>
             </a:r>
             <a:endParaRPr lang="zh-CN" altLang="en-US"/>
           </a:p>
@@ -7297,7 +7305,13 @@
           <a:p>
             <a:pPr algn="ctr"/>
             <a:r>
-              <a:t>com.tencent.shadow.dynamic.impl.ManagerFactoryImpl</a:t>
+              <a:t>com.tencent.shadow.dynamic.impl.</a:t>
+            </a:r>
+          </a:p>
+          <a:p>
+            <a:pPr algn="ctr"/>
+            <a:r>
+              <a:t>ManagerFactoryImpl</a:t>
             </a:r>
           </a:p>
         </p:txBody>
@@ -7769,7 +7783,13 @@
           <a:p>
             <a:pPr algn="ctr"/>
             <a:r>
-              <a:t>com.tencent.shadow.dynamic.impl.ManagerFactoryImpl</a:t>
+              <a:t>com.tencent.shadow.dynamic.impl.</a:t>
+            </a:r>
+          </a:p>
+          <a:p>
+            <a:pPr algn="ctr"/>
+            <a:r>
+              <a:t>ManagerFactoryImpl</a:t>
             </a:r>
           </a:p>
         </p:txBody>
@@ -7818,7 +7838,7 @@
         <p:spPr>
           <a:xfrm>
             <a:off x="354965" y="74930"/>
-            <a:ext cx="2608580" cy="368300"/>
+            <a:ext cx="2684780" cy="368300"/>
           </a:xfrm>
           <a:prstGeom prst="rect">
             <a:avLst/>
@@ -7836,7 +7856,7 @@
             </a:r>
             <a:r>
               <a:rPr lang="en-US" altLang="zh-CN"/>
-              <a:t>Manage</a:t>
+              <a:t>Manager</a:t>
             </a:r>
             <a:endParaRPr lang="en-US" altLang="zh-CN"/>
           </a:p>
@@ -7941,7 +7961,7 @@
               <a:rPr lang="en-US" altLang="zh-CN">
                 <a:sym typeface="+mn-ea"/>
               </a:rPr>
-              <a:t>APK</a:t>
+              <a:t>rAPK</a:t>
             </a:r>
             <a:endParaRPr lang="zh-CN" altLang="en-US"/>
           </a:p>
@@ -8539,8 +8559,8 @@
         </p:nvSpPr>
         <p:spPr>
           <a:xfrm>
-            <a:off x="1261745" y="2675255"/>
-            <a:ext cx="1791970" cy="912495"/>
+            <a:off x="581660" y="2675255"/>
+            <a:ext cx="2472055" cy="748665"/>
           </a:xfrm>
           <a:prstGeom prst="rect">
             <a:avLst/>
@@ -8589,8 +8609,8 @@
         </p:nvCxnSpPr>
         <p:spPr>
           <a:xfrm flipV="1">
-            <a:off x="2157730" y="1214755"/>
-            <a:ext cx="2020570" cy="1460500"/>
+            <a:off x="1818005" y="1214755"/>
+            <a:ext cx="2360295" cy="1460500"/>
           </a:xfrm>
           <a:prstGeom prst="straightConnector1">
             <a:avLst/>
@@ -8669,8 +8689,8 @@
         </p:nvSpPr>
         <p:spPr>
           <a:xfrm>
-            <a:off x="10880090" y="1692910"/>
-            <a:ext cx="1305560" cy="912495"/>
+            <a:off x="10771505" y="1692910"/>
+            <a:ext cx="1419860" cy="912495"/>
           </a:xfrm>
           <a:prstGeom prst="rect">
             <a:avLst/>
@@ -8708,6 +8728,12 @@
               </a:rPr>
               <a:t>.</a:t>
             </a:r>
+            <a:endParaRPr lang="en-US" altLang="zh-CN">
+              <a:sym typeface="+mn-ea"/>
+            </a:endParaRPr>
+          </a:p>
+          <a:p>
+            <a:pPr algn="ctr"/>
             <a:r>
               <a:rPr lang="zh-CN" altLang="en-US">
                 <a:sym typeface="+mn-ea"/>
@@ -8996,7 +9022,19 @@
               <a:rPr lang="zh-CN">
                 <a:sym typeface="+mn-ea"/>
               </a:rPr>
-              <a:t>、检查坑位和插件Activity的映射关系</a:t>
+              <a:t>、检查坑位和</a:t>
+            </a:r>
+            <a:endParaRPr lang="zh-CN">
+              <a:sym typeface="+mn-ea"/>
+            </a:endParaRPr>
+          </a:p>
+          <a:p>
+            <a:pPr algn="ctr"/>
+            <a:r>
+              <a:rPr lang="zh-CN">
+                <a:sym typeface="+mn-ea"/>
+              </a:rPr>
+              <a:t>插件Activity的映射关系</a:t>
             </a:r>
             <a:endParaRPr lang="zh-CN">
               <a:sym typeface="+mn-ea"/>
@@ -9360,7 +9398,7 @@
               <a:rPr lang="en-US" altLang="zh-CN">
                 <a:sym typeface="+mn-ea"/>
               </a:rPr>
-              <a:t>APK</a:t>
+              <a:t>rAPK</a:t>
             </a:r>
             <a:endParaRPr lang="zh-CN" altLang="en-US"/>
           </a:p>
@@ -9485,18 +9523,30 @@
           <a:p>
             <a:pPr algn="ctr"/>
             <a:r>
-              <a:rPr>
+              <a:rPr sz="1400">
                 <a:sym typeface="+mn-ea"/>
               </a:rPr>
               <a:t>UuidManagerBinder</a:t>
             </a:r>
             <a:r>
-              <a:rPr lang="en-US">
+              <a:rPr lang="en-US" sz="1400">
                 <a:sym typeface="+mn-ea"/>
               </a:rPr>
-              <a:t>.loadRuntime</a:t>
-            </a:r>
-            <a:endParaRPr lang="en-US">
+              <a:t>.</a:t>
+            </a:r>
+            <a:endParaRPr lang="en-US" sz="1400">
+              <a:sym typeface="+mn-ea"/>
+            </a:endParaRPr>
+          </a:p>
+          <a:p>
+            <a:pPr algn="ctr"/>
+            <a:r>
+              <a:rPr lang="en-US" sz="1400">
+                <a:sym typeface="+mn-ea"/>
+              </a:rPr>
+              <a:t>loadRuntime</a:t>
+            </a:r>
+            <a:endParaRPr lang="en-US" sz="1400">
               <a:sym typeface="+mn-ea"/>
             </a:endParaRPr>
           </a:p>
@@ -9655,12 +9705,12 @@
           <a:p>
             <a:pPr algn="ctr"/>
             <a:r>
-              <a:rPr>
+              <a:rPr sz="1400">
                 <a:sym typeface="+mn-ea"/>
               </a:rPr>
               <a:t>DynamicRuntime</a:t>
             </a:r>
-            <a:endParaRPr>
+            <a:endParaRPr sz="1400">
               <a:sym typeface="+mn-ea"/>
             </a:endParaRPr>
           </a:p>
@@ -9711,7 +9761,7 @@
         <p:spPr>
           <a:xfrm>
             <a:off x="8896350" y="1880235"/>
-            <a:ext cx="1791970" cy="503555"/>
+            <a:ext cx="2412365" cy="503555"/>
           </a:xfrm>
           <a:prstGeom prst="rect">
             <a:avLst/>
@@ -9760,8 +9810,8 @@
         </p:nvCxnSpPr>
         <p:spPr>
           <a:xfrm flipV="1">
-            <a:off x="9792335" y="1275715"/>
-            <a:ext cx="1102360" cy="604520"/>
+            <a:off x="10102850" y="1275715"/>
+            <a:ext cx="791845" cy="604520"/>
           </a:xfrm>
           <a:prstGeom prst="straightConnector1">
             <a:avLst/>
@@ -9937,8 +9987,8 @@
         </p:nvSpPr>
         <p:spPr>
           <a:xfrm>
-            <a:off x="680720" y="2012315"/>
-            <a:ext cx="1791970" cy="770890"/>
+            <a:off x="495300" y="2014220"/>
+            <a:ext cx="2246630" cy="768985"/>
           </a:xfrm>
           <a:prstGeom prst="rect">
             <a:avLst/>
@@ -9974,7 +10024,19 @@
               <a:rPr lang="en-US">
                 <a:sym typeface="+mn-ea"/>
               </a:rPr>
-              <a:t>.loadPluginLoader</a:t>
+              <a:t>.</a:t>
+            </a:r>
+            <a:endParaRPr lang="en-US">
+              <a:sym typeface="+mn-ea"/>
+            </a:endParaRPr>
+          </a:p>
+          <a:p>
+            <a:pPr algn="ctr"/>
+            <a:r>
+              <a:rPr lang="en-US">
+                <a:sym typeface="+mn-ea"/>
+              </a:rPr>
+              <a:t>loadPluginLoader</a:t>
             </a:r>
             <a:endParaRPr lang="en-US">
               <a:sym typeface="+mn-ea"/>
@@ -9993,8 +10055,8 @@
         </p:nvCxnSpPr>
         <p:spPr>
           <a:xfrm flipH="1">
-            <a:off x="1576705" y="1275080"/>
-            <a:ext cx="4067175" cy="737235"/>
+            <a:off x="1618615" y="1275080"/>
+            <a:ext cx="4025265" cy="739140"/>
           </a:xfrm>
           <a:prstGeom prst="straightConnector1">
             <a:avLst/>
@@ -10075,9 +10137,9 @@
           <p:nvPr/>
         </p:nvCxnSpPr>
         <p:spPr>
-          <a:xfrm>
+          <a:xfrm flipH="1">
             <a:off x="1576705" y="2783205"/>
-            <a:ext cx="0" cy="643890"/>
+            <a:ext cx="41910" cy="643890"/>
           </a:xfrm>
           <a:prstGeom prst="straightConnector1">
             <a:avLst/>
@@ -10671,8 +10733,8 @@
         </p:nvSpPr>
         <p:spPr>
           <a:xfrm>
-            <a:off x="6903085" y="4775200"/>
-            <a:ext cx="1680210" cy="770255"/>
+            <a:off x="6684010" y="4775200"/>
+            <a:ext cx="2632075" cy="770255"/>
           </a:xfrm>
           <a:prstGeom prst="rect">
             <a:avLst/>
@@ -10710,6 +10772,12 @@
               </a:rPr>
               <a:t>.</a:t>
             </a:r>
+            <a:endParaRPr lang="en-US">
+              <a:sym typeface="+mn-ea"/>
+            </a:endParaRPr>
+          </a:p>
+          <a:p>
+            <a:pPr algn="ctr"/>
             <a:r>
               <a:rPr>
                 <a:sym typeface="+mn-ea"/>
@@ -10734,7 +10802,7 @@
         <p:spPr>
           <a:xfrm>
             <a:off x="5631180" y="5160645"/>
-            <a:ext cx="1271905" cy="0"/>
+            <a:ext cx="1052830" cy="0"/>
           </a:xfrm>
           <a:prstGeom prst="straightConnector1">
             <a:avLst/>
@@ -10766,7 +10834,7 @@
         </p:nvSpPr>
         <p:spPr>
           <a:xfrm>
-            <a:off x="6684010" y="3761105"/>
+            <a:off x="6946900" y="3761105"/>
             <a:ext cx="2106930" cy="503555"/>
           </a:xfrm>
           <a:prstGeom prst="rect">
@@ -10821,9 +10889,9 @@
           <p:nvPr/>
         </p:nvCxnSpPr>
         <p:spPr>
-          <a:xfrm flipH="1" flipV="1">
-            <a:off x="7737475" y="4264660"/>
-            <a:ext cx="5715" cy="510540"/>
+          <a:xfrm flipV="1">
+            <a:off x="8000365" y="4264660"/>
+            <a:ext cx="0" cy="510540"/>
           </a:xfrm>
           <a:prstGeom prst="straightConnector1">
             <a:avLst/>
@@ -11039,7 +11107,7 @@
         <p:spPr>
           <a:xfrm>
             <a:off x="6539865" y="5706745"/>
-            <a:ext cx="2412365" cy="1056640"/>
+            <a:ext cx="2772410" cy="1056640"/>
           </a:xfrm>
           <a:prstGeom prst="rect">
             <a:avLst/>
@@ -11066,7 +11134,13 @@
           <a:p>
             <a:pPr algn="ctr"/>
             <a:r>
-              <a:t>com.tencent.shadow.dynamic.loader.impl.CoreLoaderFactoryImpl</a:t>
+              <a:t>com.tencent.shadow.dynamic.loader.impl.</a:t>
+            </a:r>
+          </a:p>
+          <a:p>
+            <a:pPr algn="ctr"/>
+            <a:r>
+              <a:t>CoreLoaderFactoryImpl</a:t>
             </a:r>
           </a:p>
         </p:txBody>
@@ -11256,8 +11330,8 @@
         </p:nvSpPr>
         <p:spPr>
           <a:xfrm>
-            <a:off x="356870" y="486410"/>
-            <a:ext cx="1019810" cy="690880"/>
+            <a:off x="217805" y="486410"/>
+            <a:ext cx="1158875" cy="690880"/>
           </a:xfrm>
           <a:prstGeom prst="rect">
             <a:avLst/>
@@ -11285,7 +11359,7 @@
             <a:pPr algn="ctr"/>
             <a:r>
               <a:rPr lang="en-US" altLang="zh-CN"/>
-              <a:t>ManageAPK</a:t>
+              <a:t>ManagerAPK</a:t>
             </a:r>
             <a:endParaRPr lang="en-US" altLang="zh-CN"/>
           </a:p>
@@ -11878,7 +11952,19 @@
               <a:rPr>
                 <a:sym typeface="+mn-ea"/>
               </a:rPr>
-              <a:t>ShadowActivityDelegate</a:t>
+              <a:t>ShadowActivity</a:t>
+            </a:r>
+            <a:endParaRPr>
+              <a:sym typeface="+mn-ea"/>
+            </a:endParaRPr>
+          </a:p>
+          <a:p>
+            <a:pPr algn="ctr"/>
+            <a:r>
+              <a:rPr>
+                <a:sym typeface="+mn-ea"/>
+              </a:rPr>
+              <a:t>Delegate</a:t>
             </a:r>
             <a:endParaRPr>
               <a:sym typeface="+mn-ea"/>
